--- a/02.Preparation before class/1.About Graphical/2.Offline programming.pptx
+++ b/02.Preparation before class/1.About Graphical/2.Offline programming.pptx
@@ -11041,16 +11041,7 @@
                 <a:cs typeface="华文中宋" charset="-122"/>
                 <a:sym typeface="+mn-ea"/>
               </a:rPr>
-              <a:t>https://github.com/YahboomTechnology/YB_IR</a:t>
-            </a:r>
-            <a:r>
-              <a:rPr b="1" dirty="0">
-                <a:latin typeface="华文中宋" charset="-122"/>
-                <a:ea typeface="华文中宋" charset="-122"/>
-                <a:cs typeface="华文中宋" charset="-122"/>
-                <a:sym typeface="+mn-ea"/>
-              </a:rPr>
-              <a:t>.</a:t>
+              <a:t>https://github.com/YahboomTechnology/Yahboom_IR</a:t>
             </a:r>
             <a:r>
               <a:rPr sz="1600" b="1" dirty="0">
